--- a/Docs/Figures.pptx
+++ b/Docs/Figures.pptx
@@ -6,6 +6,7 @@
   </p:sldMasterIdLst>
   <p:sldIdLst>
     <p:sldId id="256" r:id="rId2"/>
+    <p:sldId id="257" r:id="rId3"/>
   </p:sldIdLst>
   <p:sldSz cx="12192000" cy="6858000"/>
   <p:notesSz cx="6858000" cy="9144000"/>
@@ -104,6 +105,11 @@
       </a:defRPr>
     </a:lvl9pPr>
   </p:defaultTextStyle>
+  <p:extLst>
+    <p:ext uri="{EFAFB233-063F-42B5-8137-9DF3F51BA10A}">
+      <p15:sldGuideLst xmlns:p15="http://schemas.microsoft.com/office/powerpoint/2012/main"/>
+    </p:ext>
+  </p:extLst>
 </p:presentation>
 </file>
 
@@ -254,7 +260,7 @@
           <a:p>
             <a:fld id="{E723B2D8-5937-4E9D-A849-6197873C7DB3}" type="datetimeFigureOut">
               <a:rPr lang="en-US" smtClean="0"/>
-              <a:t>8/16/2019</a:t>
+              <a:t>12/18/2019</a:t>
             </a:fld>
             <a:endParaRPr lang="en-US"/>
           </a:p>
@@ -452,7 +458,7 @@
           <a:p>
             <a:fld id="{E723B2D8-5937-4E9D-A849-6197873C7DB3}" type="datetimeFigureOut">
               <a:rPr lang="en-US" smtClean="0"/>
-              <a:t>8/16/2019</a:t>
+              <a:t>12/18/2019</a:t>
             </a:fld>
             <a:endParaRPr lang="en-US"/>
           </a:p>
@@ -660,7 +666,7 @@
           <a:p>
             <a:fld id="{E723B2D8-5937-4E9D-A849-6197873C7DB3}" type="datetimeFigureOut">
               <a:rPr lang="en-US" smtClean="0"/>
-              <a:t>8/16/2019</a:t>
+              <a:t>12/18/2019</a:t>
             </a:fld>
             <a:endParaRPr lang="en-US"/>
           </a:p>
@@ -858,7 +864,7 @@
           <a:p>
             <a:fld id="{E723B2D8-5937-4E9D-A849-6197873C7DB3}" type="datetimeFigureOut">
               <a:rPr lang="en-US" smtClean="0"/>
-              <a:t>8/16/2019</a:t>
+              <a:t>12/18/2019</a:t>
             </a:fld>
             <a:endParaRPr lang="en-US"/>
           </a:p>
@@ -1133,7 +1139,7 @@
           <a:p>
             <a:fld id="{E723B2D8-5937-4E9D-A849-6197873C7DB3}" type="datetimeFigureOut">
               <a:rPr lang="en-US" smtClean="0"/>
-              <a:t>8/16/2019</a:t>
+              <a:t>12/18/2019</a:t>
             </a:fld>
             <a:endParaRPr lang="en-US"/>
           </a:p>
@@ -1398,7 +1404,7 @@
           <a:p>
             <a:fld id="{E723B2D8-5937-4E9D-A849-6197873C7DB3}" type="datetimeFigureOut">
               <a:rPr lang="en-US" smtClean="0"/>
-              <a:t>8/16/2019</a:t>
+              <a:t>12/18/2019</a:t>
             </a:fld>
             <a:endParaRPr lang="en-US"/>
           </a:p>
@@ -1810,7 +1816,7 @@
           <a:p>
             <a:fld id="{E723B2D8-5937-4E9D-A849-6197873C7DB3}" type="datetimeFigureOut">
               <a:rPr lang="en-US" smtClean="0"/>
-              <a:t>8/16/2019</a:t>
+              <a:t>12/18/2019</a:t>
             </a:fld>
             <a:endParaRPr lang="en-US"/>
           </a:p>
@@ -1951,7 +1957,7 @@
           <a:p>
             <a:fld id="{E723B2D8-5937-4E9D-A849-6197873C7DB3}" type="datetimeFigureOut">
               <a:rPr lang="en-US" smtClean="0"/>
-              <a:t>8/16/2019</a:t>
+              <a:t>12/18/2019</a:t>
             </a:fld>
             <a:endParaRPr lang="en-US"/>
           </a:p>
@@ -2064,7 +2070,7 @@
           <a:p>
             <a:fld id="{E723B2D8-5937-4E9D-A849-6197873C7DB3}" type="datetimeFigureOut">
               <a:rPr lang="en-US" smtClean="0"/>
-              <a:t>8/16/2019</a:t>
+              <a:t>12/18/2019</a:t>
             </a:fld>
             <a:endParaRPr lang="en-US"/>
           </a:p>
@@ -2375,7 +2381,7 @@
           <a:p>
             <a:fld id="{E723B2D8-5937-4E9D-A849-6197873C7DB3}" type="datetimeFigureOut">
               <a:rPr lang="en-US" smtClean="0"/>
-              <a:t>8/16/2019</a:t>
+              <a:t>12/18/2019</a:t>
             </a:fld>
             <a:endParaRPr lang="en-US"/>
           </a:p>
@@ -2663,7 +2669,7 @@
           <a:p>
             <a:fld id="{E723B2D8-5937-4E9D-A849-6197873C7DB3}" type="datetimeFigureOut">
               <a:rPr lang="en-US" smtClean="0"/>
-              <a:t>8/16/2019</a:t>
+              <a:t>12/18/2019</a:t>
             </a:fld>
             <a:endParaRPr lang="en-US"/>
           </a:p>
@@ -2904,7 +2910,7 @@
           <a:p>
             <a:fld id="{E723B2D8-5937-4E9D-A849-6197873C7DB3}" type="datetimeFigureOut">
               <a:rPr lang="en-US" smtClean="0"/>
-              <a:t>8/16/2019</a:t>
+              <a:t>12/18/2019</a:t>
             </a:fld>
             <a:endParaRPr lang="en-US"/>
           </a:p>
@@ -4359,6 +4365,478 @@
 </p:sld>
 </file>
 
+<file path=ppt/slides/slide2.xml><?xml version="1.0" encoding="utf-8"?>
+<p:sld xmlns:a="http://schemas.openxmlformats.org/drawingml/2006/main" xmlns:r="http://schemas.openxmlformats.org/officeDocument/2006/relationships" xmlns:p="http://schemas.openxmlformats.org/presentationml/2006/main">
+  <p:cSld>
+    <p:spTree>
+      <p:nvGrpSpPr>
+        <p:cNvPr id="1" name=""/>
+        <p:cNvGrpSpPr/>
+        <p:nvPr/>
+      </p:nvGrpSpPr>
+      <p:grpSpPr>
+        <a:xfrm>
+          <a:off x="0" y="0"/>
+          <a:ext cx="0" cy="0"/>
+          <a:chOff x="0" y="0"/>
+          <a:chExt cx="0" cy="0"/>
+        </a:xfrm>
+      </p:grpSpPr>
+      <p:cxnSp>
+        <p:nvCxnSpPr>
+          <p:cNvPr id="5" name="Straight Connector 4">
+            <a:extLst>
+              <a:ext uri="{FF2B5EF4-FFF2-40B4-BE49-F238E27FC236}">
+                <a16:creationId xmlns:a16="http://schemas.microsoft.com/office/drawing/2014/main" id="{22C2A8D4-DE38-42B7-8B40-14E0B9711104}"/>
+              </a:ext>
+            </a:extLst>
+          </p:cNvPr>
+          <p:cNvCxnSpPr/>
+          <p:nvPr/>
+        </p:nvCxnSpPr>
+        <p:spPr>
+          <a:xfrm>
+            <a:off x="5676181" y="2179608"/>
+            <a:ext cx="0" cy="2616679"/>
+          </a:xfrm>
+          <a:prstGeom prst="line">
+            <a:avLst/>
+          </a:prstGeom>
+          <a:ln w="38100"/>
+        </p:spPr>
+        <p:style>
+          <a:lnRef idx="1">
+            <a:schemeClr val="dk1"/>
+          </a:lnRef>
+          <a:fillRef idx="0">
+            <a:schemeClr val="dk1"/>
+          </a:fillRef>
+          <a:effectRef idx="0">
+            <a:schemeClr val="dk1"/>
+          </a:effectRef>
+          <a:fontRef idx="minor">
+            <a:schemeClr val="tx1"/>
+          </a:fontRef>
+        </p:style>
+      </p:cxnSp>
+      <p:cxnSp>
+        <p:nvCxnSpPr>
+          <p:cNvPr id="6" name="Straight Connector 5">
+            <a:extLst>
+              <a:ext uri="{FF2B5EF4-FFF2-40B4-BE49-F238E27FC236}">
+                <a16:creationId xmlns:a16="http://schemas.microsoft.com/office/drawing/2014/main" id="{5BFAF45A-B228-4C6B-9C47-3A5540A0C4D9}"/>
+              </a:ext>
+            </a:extLst>
+          </p:cNvPr>
+          <p:cNvCxnSpPr/>
+          <p:nvPr/>
+        </p:nvCxnSpPr>
+        <p:spPr>
+          <a:xfrm>
+            <a:off x="7690546" y="2179608"/>
+            <a:ext cx="0" cy="2616679"/>
+          </a:xfrm>
+          <a:prstGeom prst="line">
+            <a:avLst/>
+          </a:prstGeom>
+          <a:ln w="38100"/>
+        </p:spPr>
+        <p:style>
+          <a:lnRef idx="1">
+            <a:schemeClr val="dk1"/>
+          </a:lnRef>
+          <a:fillRef idx="0">
+            <a:schemeClr val="dk1"/>
+          </a:fillRef>
+          <a:effectRef idx="0">
+            <a:schemeClr val="dk1"/>
+          </a:effectRef>
+          <a:fontRef idx="minor">
+            <a:schemeClr val="tx1"/>
+          </a:fontRef>
+        </p:style>
+      </p:cxnSp>
+      <p:cxnSp>
+        <p:nvCxnSpPr>
+          <p:cNvPr id="7" name="Straight Connector 6">
+            <a:extLst>
+              <a:ext uri="{FF2B5EF4-FFF2-40B4-BE49-F238E27FC236}">
+                <a16:creationId xmlns:a16="http://schemas.microsoft.com/office/drawing/2014/main" id="{A27C3AED-3948-458E-AB90-6FE8CBD23307}"/>
+              </a:ext>
+            </a:extLst>
+          </p:cNvPr>
+          <p:cNvCxnSpPr/>
+          <p:nvPr/>
+        </p:nvCxnSpPr>
+        <p:spPr>
+          <a:xfrm>
+            <a:off x="10026293" y="2179608"/>
+            <a:ext cx="0" cy="2616679"/>
+          </a:xfrm>
+          <a:prstGeom prst="line">
+            <a:avLst/>
+          </a:prstGeom>
+          <a:ln w="38100"/>
+        </p:spPr>
+        <p:style>
+          <a:lnRef idx="1">
+            <a:schemeClr val="dk1"/>
+          </a:lnRef>
+          <a:fillRef idx="0">
+            <a:schemeClr val="dk1"/>
+          </a:fillRef>
+          <a:effectRef idx="0">
+            <a:schemeClr val="dk1"/>
+          </a:effectRef>
+          <a:fontRef idx="minor">
+            <a:schemeClr val="tx1"/>
+          </a:fontRef>
+        </p:style>
+      </p:cxnSp>
+      <p:sp>
+        <p:nvSpPr>
+          <p:cNvPr id="8" name="TextBox 7">
+            <a:extLst>
+              <a:ext uri="{FF2B5EF4-FFF2-40B4-BE49-F238E27FC236}">
+                <a16:creationId xmlns:a16="http://schemas.microsoft.com/office/drawing/2014/main" id="{8897E3AF-F9F2-4ECD-A925-F6153871C337}"/>
+              </a:ext>
+            </a:extLst>
+          </p:cNvPr>
+          <p:cNvSpPr txBox="1"/>
+          <p:nvPr/>
+        </p:nvSpPr>
+        <p:spPr>
+          <a:xfrm>
+            <a:off x="5195921" y="1810276"/>
+            <a:ext cx="960519" cy="369332"/>
+          </a:xfrm>
+          <a:prstGeom prst="rect">
+            <a:avLst/>
+          </a:prstGeom>
+          <a:noFill/>
+        </p:spPr>
+        <p:txBody>
+          <a:bodyPr wrap="none" rtlCol="0">
+            <a:spAutoFit/>
+          </a:bodyPr>
+          <a:lstStyle/>
+          <a:p>
+            <a:r>
+              <a:rPr lang="en-US" dirty="0"/>
+              <a:t>Solution</a:t>
+            </a:r>
+          </a:p>
+        </p:txBody>
+      </p:sp>
+      <p:sp>
+        <p:nvSpPr>
+          <p:cNvPr id="9" name="TextBox 8">
+            <a:extLst>
+              <a:ext uri="{FF2B5EF4-FFF2-40B4-BE49-F238E27FC236}">
+                <a16:creationId xmlns:a16="http://schemas.microsoft.com/office/drawing/2014/main" id="{22AA6950-7571-424A-B6B8-B58F64BF1DBE}"/>
+              </a:ext>
+            </a:extLst>
+          </p:cNvPr>
+          <p:cNvSpPr txBox="1"/>
+          <p:nvPr/>
+        </p:nvSpPr>
+        <p:spPr>
+          <a:xfrm>
+            <a:off x="6553504" y="1810276"/>
+            <a:ext cx="2274084" cy="369332"/>
+          </a:xfrm>
+          <a:prstGeom prst="rect">
+            <a:avLst/>
+          </a:prstGeom>
+          <a:noFill/>
+        </p:spPr>
+        <p:txBody>
+          <a:bodyPr wrap="none" rtlCol="0">
+            <a:spAutoFit/>
+          </a:bodyPr>
+          <a:lstStyle/>
+          <a:p>
+            <a:r>
+              <a:rPr lang="en-US" dirty="0"/>
+              <a:t>Azure Active Directory</a:t>
+            </a:r>
+          </a:p>
+        </p:txBody>
+      </p:sp>
+      <p:sp>
+        <p:nvSpPr>
+          <p:cNvPr id="10" name="TextBox 9">
+            <a:extLst>
+              <a:ext uri="{FF2B5EF4-FFF2-40B4-BE49-F238E27FC236}">
+                <a16:creationId xmlns:a16="http://schemas.microsoft.com/office/drawing/2014/main" id="{0F7CCDB5-4507-48CB-B330-8E1E01DE9427}"/>
+              </a:ext>
+            </a:extLst>
+          </p:cNvPr>
+          <p:cNvSpPr txBox="1"/>
+          <p:nvPr/>
+        </p:nvSpPr>
+        <p:spPr>
+          <a:xfrm>
+            <a:off x="9165640" y="1810276"/>
+            <a:ext cx="1721305" cy="369332"/>
+          </a:xfrm>
+          <a:prstGeom prst="rect">
+            <a:avLst/>
+          </a:prstGeom>
+          <a:noFill/>
+        </p:spPr>
+        <p:txBody>
+          <a:bodyPr wrap="none" rtlCol="0">
+            <a:spAutoFit/>
+          </a:bodyPr>
+          <a:lstStyle/>
+          <a:p>
+            <a:r>
+              <a:rPr lang="en-US" dirty="0"/>
+              <a:t>Marketplace API</a:t>
+            </a:r>
+          </a:p>
+        </p:txBody>
+      </p:sp>
+      <p:cxnSp>
+        <p:nvCxnSpPr>
+          <p:cNvPr id="12" name="Straight Arrow Connector 11">
+            <a:extLst>
+              <a:ext uri="{FF2B5EF4-FFF2-40B4-BE49-F238E27FC236}">
+                <a16:creationId xmlns:a16="http://schemas.microsoft.com/office/drawing/2014/main" id="{8FF4191B-3A40-4FCD-A60F-AB9748640484}"/>
+              </a:ext>
+            </a:extLst>
+          </p:cNvPr>
+          <p:cNvCxnSpPr/>
+          <p:nvPr/>
+        </p:nvCxnSpPr>
+        <p:spPr>
+          <a:xfrm>
+            <a:off x="5676180" y="2757413"/>
+            <a:ext cx="2014366" cy="0"/>
+          </a:xfrm>
+          <a:prstGeom prst="straightConnector1">
+            <a:avLst/>
+          </a:prstGeom>
+          <a:ln w="38100">
+            <a:tailEnd type="triangle"/>
+          </a:ln>
+        </p:spPr>
+        <p:style>
+          <a:lnRef idx="1">
+            <a:schemeClr val="dk1"/>
+          </a:lnRef>
+          <a:fillRef idx="0">
+            <a:schemeClr val="dk1"/>
+          </a:fillRef>
+          <a:effectRef idx="0">
+            <a:schemeClr val="dk1"/>
+          </a:effectRef>
+          <a:fontRef idx="minor">
+            <a:schemeClr val="tx1"/>
+          </a:fontRef>
+        </p:style>
+      </p:cxnSp>
+      <p:cxnSp>
+        <p:nvCxnSpPr>
+          <p:cNvPr id="13" name="Straight Arrow Connector 12">
+            <a:extLst>
+              <a:ext uri="{FF2B5EF4-FFF2-40B4-BE49-F238E27FC236}">
+                <a16:creationId xmlns:a16="http://schemas.microsoft.com/office/drawing/2014/main" id="{3918F29F-5695-4170-81DE-20BAE43261FD}"/>
+              </a:ext>
+            </a:extLst>
+          </p:cNvPr>
+          <p:cNvCxnSpPr>
+            <a:cxnSpLocks/>
+          </p:cNvCxnSpPr>
+          <p:nvPr/>
+        </p:nvCxnSpPr>
+        <p:spPr>
+          <a:xfrm flipH="1" flipV="1">
+            <a:off x="5676180" y="3410838"/>
+            <a:ext cx="2014366" cy="0"/>
+          </a:xfrm>
+          <a:prstGeom prst="straightConnector1">
+            <a:avLst/>
+          </a:prstGeom>
+          <a:ln w="38100">
+            <a:tailEnd type="triangle"/>
+          </a:ln>
+        </p:spPr>
+        <p:style>
+          <a:lnRef idx="1">
+            <a:schemeClr val="dk1"/>
+          </a:lnRef>
+          <a:fillRef idx="0">
+            <a:schemeClr val="dk1"/>
+          </a:fillRef>
+          <a:effectRef idx="0">
+            <a:schemeClr val="dk1"/>
+          </a:effectRef>
+          <a:fontRef idx="minor">
+            <a:schemeClr val="tx1"/>
+          </a:fontRef>
+        </p:style>
+      </p:cxnSp>
+      <p:cxnSp>
+        <p:nvCxnSpPr>
+          <p:cNvPr id="14" name="Straight Arrow Connector 13">
+            <a:extLst>
+              <a:ext uri="{FF2B5EF4-FFF2-40B4-BE49-F238E27FC236}">
+                <a16:creationId xmlns:a16="http://schemas.microsoft.com/office/drawing/2014/main" id="{35FD6037-8E36-4A52-919D-CA51B74945A7}"/>
+              </a:ext>
+            </a:extLst>
+          </p:cNvPr>
+          <p:cNvCxnSpPr>
+            <a:cxnSpLocks/>
+          </p:cNvCxnSpPr>
+          <p:nvPr/>
+        </p:nvCxnSpPr>
+        <p:spPr>
+          <a:xfrm>
+            <a:off x="5697015" y="4212715"/>
+            <a:ext cx="4329277" cy="0"/>
+          </a:xfrm>
+          <a:prstGeom prst="straightConnector1">
+            <a:avLst/>
+          </a:prstGeom>
+          <a:ln w="38100">
+            <a:tailEnd type="triangle"/>
+          </a:ln>
+        </p:spPr>
+        <p:style>
+          <a:lnRef idx="1">
+            <a:schemeClr val="dk1"/>
+          </a:lnRef>
+          <a:fillRef idx="0">
+            <a:schemeClr val="dk1"/>
+          </a:fillRef>
+          <a:effectRef idx="0">
+            <a:schemeClr val="dk1"/>
+          </a:effectRef>
+          <a:fontRef idx="minor">
+            <a:schemeClr val="tx1"/>
+          </a:fontRef>
+        </p:style>
+      </p:cxnSp>
+      <p:sp>
+        <p:nvSpPr>
+          <p:cNvPr id="16" name="TextBox 15">
+            <a:extLst>
+              <a:ext uri="{FF2B5EF4-FFF2-40B4-BE49-F238E27FC236}">
+                <a16:creationId xmlns:a16="http://schemas.microsoft.com/office/drawing/2014/main" id="{5C269DFF-BB44-4E8F-955C-7C9B45174387}"/>
+              </a:ext>
+            </a:extLst>
+          </p:cNvPr>
+          <p:cNvSpPr txBox="1"/>
+          <p:nvPr/>
+        </p:nvSpPr>
+        <p:spPr>
+          <a:xfrm>
+            <a:off x="5719592" y="2395880"/>
+            <a:ext cx="1922257" cy="338554"/>
+          </a:xfrm>
+          <a:prstGeom prst="rect">
+            <a:avLst/>
+          </a:prstGeom>
+          <a:noFill/>
+        </p:spPr>
+        <p:txBody>
+          <a:bodyPr wrap="none" rtlCol="0">
+            <a:spAutoFit/>
+          </a:bodyPr>
+          <a:lstStyle/>
+          <a:p>
+            <a:r>
+              <a:rPr lang="en-US" sz="1600" dirty="0"/>
+              <a:t>Acquire access token</a:t>
+            </a:r>
+          </a:p>
+        </p:txBody>
+      </p:sp>
+      <p:sp>
+        <p:nvSpPr>
+          <p:cNvPr id="17" name="TextBox 16">
+            <a:extLst>
+              <a:ext uri="{FF2B5EF4-FFF2-40B4-BE49-F238E27FC236}">
+                <a16:creationId xmlns:a16="http://schemas.microsoft.com/office/drawing/2014/main" id="{CCF1E9C4-39AE-4B4C-84DC-C5DAE2CC634F}"/>
+              </a:ext>
+            </a:extLst>
+          </p:cNvPr>
+          <p:cNvSpPr txBox="1"/>
+          <p:nvPr/>
+        </p:nvSpPr>
+        <p:spPr>
+          <a:xfrm>
+            <a:off x="5952187" y="3062317"/>
+            <a:ext cx="1258101" cy="338554"/>
+          </a:xfrm>
+          <a:prstGeom prst="rect">
+            <a:avLst/>
+          </a:prstGeom>
+          <a:noFill/>
+        </p:spPr>
+        <p:txBody>
+          <a:bodyPr wrap="none" rtlCol="0">
+            <a:spAutoFit/>
+          </a:bodyPr>
+          <a:lstStyle/>
+          <a:p>
+            <a:r>
+              <a:rPr lang="en-US" sz="1600" dirty="0"/>
+              <a:t>Access token</a:t>
+            </a:r>
+          </a:p>
+        </p:txBody>
+      </p:sp>
+      <p:sp>
+        <p:nvSpPr>
+          <p:cNvPr id="18" name="TextBox 17">
+            <a:extLst>
+              <a:ext uri="{FF2B5EF4-FFF2-40B4-BE49-F238E27FC236}">
+                <a16:creationId xmlns:a16="http://schemas.microsoft.com/office/drawing/2014/main" id="{C4C199FE-4CAC-466B-A5D9-314216A3AD32}"/>
+              </a:ext>
+            </a:extLst>
+          </p:cNvPr>
+          <p:cNvSpPr txBox="1"/>
+          <p:nvPr/>
+        </p:nvSpPr>
+        <p:spPr>
+          <a:xfrm>
+            <a:off x="5775419" y="3893364"/>
+            <a:ext cx="4065042" cy="584775"/>
+          </a:xfrm>
+          <a:prstGeom prst="rect">
+            <a:avLst/>
+          </a:prstGeom>
+          <a:noFill/>
+        </p:spPr>
+        <p:txBody>
+          <a:bodyPr wrap="square" rtlCol="0">
+            <a:spAutoFit/>
+          </a:bodyPr>
+          <a:lstStyle/>
+          <a:p>
+            <a:r>
+              <a:rPr lang="en-US" sz="1600" dirty="0"/>
+              <a:t>Call API with a bearer token using the received access token for authenticating the call</a:t>
+            </a:r>
+          </a:p>
+        </p:txBody>
+      </p:sp>
+    </p:spTree>
+    <p:extLst>
+      <p:ext uri="{BB962C8B-B14F-4D97-AF65-F5344CB8AC3E}">
+        <p14:creationId xmlns:p14="http://schemas.microsoft.com/office/powerpoint/2010/main" val="2023301970"/>
+      </p:ext>
+    </p:extLst>
+  </p:cSld>
+  <p:clrMapOvr>
+    <a:masterClrMapping/>
+  </p:clrMapOvr>
+</p:sld>
+</file>
+
 <file path=ppt/theme/theme1.xml><?xml version="1.0" encoding="utf-8"?>
 <a:theme xmlns:a="http://schemas.openxmlformats.org/drawingml/2006/main" name="Office Theme">
   <a:themeElements>
